--- a/Py B - unit 4.pptx
+++ b/Py B - unit 4.pptx
@@ -15,6 +15,7 @@
     <p:sldId id="275" r:id="rId9"/>
     <p:sldId id="272" r:id="rId10"/>
     <p:sldId id="274" r:id="rId11"/>
+    <p:sldId id="276" r:id="rId12"/>
   </p:sldIdLst>
   <p:sldSz cx="12192000" cy="6858000"/>
   <p:notesSz cx="6858000" cy="9144000"/>
@@ -119,6 +120,14 @@
     </p:ext>
   </p:extLst>
 </p:presentation>
+</file>
+
+<file path=ppt/revisionInfo.xml><?xml version="1.0" encoding="utf-8"?>
+<p1510:revInfo xmlns:a="http://schemas.openxmlformats.org/drawingml/2006/main" xmlns:r="http://schemas.openxmlformats.org/officeDocument/2006/relationships" xmlns:p1510="http://schemas.microsoft.com/office/powerpoint/2015/10/main">
+  <p1510:revLst>
+    <p1510:client id="{AF2CF722-5CED-47F3-9FE9-7BE35F621AD8}" v="3" dt="2023-04-26T04:31:57.219"/>
+  </p1510:revLst>
+</p1510:revInfo>
 </file>
 
 <file path=ppt/changesInfos/changesInfo1.xml><?xml version="1.0" encoding="utf-8"?>
@@ -287,6 +296,77 @@
             <ac:spMk id="4" creationId="{8DE6899A-D842-4C9E-ADC1-B0C1377122EA}"/>
           </ac:spMkLst>
         </pc:spChg>
+      </pc:sldChg>
+    </pc:docChg>
+  </pc:docChgLst>
+  <pc:docChgLst>
+    <pc:chgData name="Li Lixiang" userId="6104bbfcb56aea79" providerId="LiveId" clId="{AF2CF722-5CED-47F3-9FE9-7BE35F621AD8}"/>
+    <pc:docChg chg="undo custSel addSld modSld">
+      <pc:chgData name="Li Lixiang" userId="6104bbfcb56aea79" providerId="LiveId" clId="{AF2CF722-5CED-47F3-9FE9-7BE35F621AD8}" dt="2023-04-26T04:41:44.867" v="369" actId="1076"/>
+      <pc:docMkLst>
+        <pc:docMk/>
+      </pc:docMkLst>
+      <pc:sldChg chg="addSp delSp mod">
+        <pc:chgData name="Li Lixiang" userId="6104bbfcb56aea79" providerId="LiveId" clId="{AF2CF722-5CED-47F3-9FE9-7BE35F621AD8}" dt="2023-04-26T04:31:45.940" v="1" actId="22"/>
+        <pc:sldMkLst>
+          <pc:docMk/>
+          <pc:sldMk cId="3514307366" sldId="274"/>
+        </pc:sldMkLst>
+        <pc:picChg chg="add del">
+          <ac:chgData name="Li Lixiang" userId="6104bbfcb56aea79" providerId="LiveId" clId="{AF2CF722-5CED-47F3-9FE9-7BE35F621AD8}" dt="2023-04-26T04:31:45.940" v="1" actId="22"/>
+          <ac:picMkLst>
+            <pc:docMk/>
+            <pc:sldMk cId="3514307366" sldId="274"/>
+            <ac:picMk id="7" creationId="{8E8A8649-8DBF-123A-0DFD-541F9B3534BD}"/>
+          </ac:picMkLst>
+        </pc:picChg>
+      </pc:sldChg>
+      <pc:sldChg chg="addSp delSp modSp add mod">
+        <pc:chgData name="Li Lixiang" userId="6104bbfcb56aea79" providerId="LiveId" clId="{AF2CF722-5CED-47F3-9FE9-7BE35F621AD8}" dt="2023-04-26T04:41:44.867" v="369" actId="1076"/>
+        <pc:sldMkLst>
+          <pc:docMk/>
+          <pc:sldMk cId="3429051292" sldId="276"/>
+        </pc:sldMkLst>
+        <pc:spChg chg="mod">
+          <ac:chgData name="Li Lixiang" userId="6104bbfcb56aea79" providerId="LiveId" clId="{AF2CF722-5CED-47F3-9FE9-7BE35F621AD8}" dt="2023-04-26T04:34:29.150" v="359" actId="20577"/>
+          <ac:spMkLst>
+            <pc:docMk/>
+            <pc:sldMk cId="3429051292" sldId="276"/>
+            <ac:spMk id="3" creationId="{211873FD-2CAE-4CE7-B6CD-855AEB5C6DCA}"/>
+          </ac:spMkLst>
+        </pc:spChg>
+        <pc:spChg chg="del">
+          <ac:chgData name="Li Lixiang" userId="6104bbfcb56aea79" providerId="LiveId" clId="{AF2CF722-5CED-47F3-9FE9-7BE35F621AD8}" dt="2023-04-26T04:31:57.219" v="5" actId="478"/>
+          <ac:spMkLst>
+            <pc:docMk/>
+            <pc:sldMk cId="3429051292" sldId="276"/>
+            <ac:spMk id="4" creationId="{C613C551-DE95-4745-9303-077FBF854FEC}"/>
+          </ac:spMkLst>
+        </pc:spChg>
+        <pc:spChg chg="del mod">
+          <ac:chgData name="Li Lixiang" userId="6104bbfcb56aea79" providerId="LiveId" clId="{AF2CF722-5CED-47F3-9FE9-7BE35F621AD8}" dt="2023-04-26T04:31:55.726" v="4" actId="478"/>
+          <ac:spMkLst>
+            <pc:docMk/>
+            <pc:sldMk cId="3429051292" sldId="276"/>
+            <ac:spMk id="5" creationId="{B9D911B8-FFFD-4F81-A996-6FC65DB1583A}"/>
+          </ac:spMkLst>
+        </pc:spChg>
+        <pc:picChg chg="add del mod">
+          <ac:chgData name="Li Lixiang" userId="6104bbfcb56aea79" providerId="LiveId" clId="{AF2CF722-5CED-47F3-9FE9-7BE35F621AD8}" dt="2023-04-26T04:40:44.790" v="362" actId="478"/>
+          <ac:picMkLst>
+            <pc:docMk/>
+            <pc:sldMk cId="3429051292" sldId="276"/>
+            <ac:picMk id="7" creationId="{A9CCA60B-D2A1-209B-AEDD-2C6EADD9612E}"/>
+          </ac:picMkLst>
+        </pc:picChg>
+        <pc:picChg chg="add mod modCrop">
+          <ac:chgData name="Li Lixiang" userId="6104bbfcb56aea79" providerId="LiveId" clId="{AF2CF722-5CED-47F3-9FE9-7BE35F621AD8}" dt="2023-04-26T04:41:44.867" v="369" actId="1076"/>
+          <ac:picMkLst>
+            <pc:docMk/>
+            <pc:sldMk cId="3429051292" sldId="276"/>
+            <ac:picMk id="9" creationId="{41729DD8-8026-743D-646B-F3DBDDA64B26}"/>
+          </ac:picMkLst>
+        </pc:picChg>
       </pc:sldChg>
     </pc:docChg>
   </pc:docChgLst>
@@ -21022,7 +21102,7 @@
             <a:fld id="{B61BEF0D-F0BB-DE4B-95CE-6DB70DBA9567}" type="datetimeFigureOut">
               <a:rPr lang="en-US" dirty="0"/>
               <a:pPr/>
-              <a:t>8/12/2021</a:t>
+              <a:t>4/26/2023</a:t>
             </a:fld>
             <a:endParaRPr lang="en-US" dirty="0"/>
           </a:p>
@@ -21353,7 +21433,7 @@
             <a:fld id="{B61BEF0D-F0BB-DE4B-95CE-6DB70DBA9567}" type="datetimeFigureOut">
               <a:rPr lang="en-US" dirty="0"/>
               <a:pPr/>
-              <a:t>8/12/2021</a:t>
+              <a:t>4/26/2023</a:t>
             </a:fld>
             <a:endParaRPr lang="en-US" dirty="0"/>
           </a:p>
@@ -21628,7 +21708,7 @@
             <a:fld id="{B61BEF0D-F0BB-DE4B-95CE-6DB70DBA9567}" type="datetimeFigureOut">
               <a:rPr lang="en-US" dirty="0"/>
               <a:pPr/>
-              <a:t>8/12/2021</a:t>
+              <a:t>4/26/2023</a:t>
             </a:fld>
             <a:endParaRPr lang="en-US" dirty="0"/>
           </a:p>
@@ -22193,7 +22273,7 @@
             <a:fld id="{B61BEF0D-F0BB-DE4B-95CE-6DB70DBA9567}" type="datetimeFigureOut">
               <a:rPr lang="en-US" dirty="0"/>
               <a:pPr/>
-              <a:t>8/12/2021</a:t>
+              <a:t>4/26/2023</a:t>
             </a:fld>
             <a:endParaRPr lang="en-US" dirty="0"/>
           </a:p>
@@ -22468,7 +22548,7 @@
             <a:fld id="{B61BEF0D-F0BB-DE4B-95CE-6DB70DBA9567}" type="datetimeFigureOut">
               <a:rPr lang="en-US" dirty="0"/>
               <a:pPr/>
-              <a:t>8/12/2021</a:t>
+              <a:t>4/26/2023</a:t>
             </a:fld>
             <a:endParaRPr lang="en-US" dirty="0"/>
           </a:p>
@@ -23027,7 +23107,7 @@
             <a:fld id="{B61BEF0D-F0BB-DE4B-95CE-6DB70DBA9567}" type="datetimeFigureOut">
               <a:rPr lang="en-US" dirty="0"/>
               <a:pPr/>
-              <a:t>8/12/2021</a:t>
+              <a:t>4/26/2023</a:t>
             </a:fld>
             <a:endParaRPr lang="en-US" dirty="0"/>
           </a:p>
@@ -23351,7 +23431,7 @@
             <a:fld id="{B61BEF0D-F0BB-DE4B-95CE-6DB70DBA9567}" type="datetimeFigureOut">
               <a:rPr lang="en-US" dirty="0"/>
               <a:pPr/>
-              <a:t>8/12/2021</a:t>
+              <a:t>4/26/2023</a:t>
             </a:fld>
             <a:endParaRPr lang="en-US" dirty="0"/>
           </a:p>
@@ -23525,7 +23605,7 @@
             <a:fld id="{B61BEF0D-F0BB-DE4B-95CE-6DB70DBA9567}" type="datetimeFigureOut">
               <a:rPr lang="en-US" dirty="0"/>
               <a:pPr/>
-              <a:t>8/12/2021</a:t>
+              <a:t>4/26/2023</a:t>
             </a:fld>
             <a:endParaRPr lang="en-US" dirty="0"/>
           </a:p>
@@ -23760,7 +23840,7 @@
             <a:fld id="{B61BEF0D-F0BB-DE4B-95CE-6DB70DBA9567}" type="datetimeFigureOut">
               <a:rPr lang="en-US" dirty="0"/>
               <a:pPr/>
-              <a:t>8/12/2021</a:t>
+              <a:t>4/26/2023</a:t>
             </a:fld>
             <a:endParaRPr lang="en-US" dirty="0"/>
           </a:p>
@@ -23957,7 +24037,7 @@
             <a:fld id="{B61BEF0D-F0BB-DE4B-95CE-6DB70DBA9567}" type="datetimeFigureOut">
               <a:rPr lang="en-US" dirty="0"/>
               <a:pPr/>
-              <a:t>8/12/2021</a:t>
+              <a:t>4/26/2023</a:t>
             </a:fld>
             <a:endParaRPr lang="en-US" dirty="0"/>
           </a:p>
@@ -24230,7 +24310,7 @@
             <a:fld id="{B61BEF0D-F0BB-DE4B-95CE-6DB70DBA9567}" type="datetimeFigureOut">
               <a:rPr lang="en-US" dirty="0"/>
               <a:pPr/>
-              <a:t>8/12/2021</a:t>
+              <a:t>4/26/2023</a:t>
             </a:fld>
             <a:endParaRPr lang="en-US" dirty="0"/>
           </a:p>
@@ -24493,7 +24573,7 @@
             <a:fld id="{B61BEF0D-F0BB-DE4B-95CE-6DB70DBA9567}" type="datetimeFigureOut">
               <a:rPr lang="en-US" dirty="0"/>
               <a:pPr/>
-              <a:t>8/12/2021</a:t>
+              <a:t>4/26/2023</a:t>
             </a:fld>
             <a:endParaRPr lang="en-US" dirty="0"/>
           </a:p>
@@ -24864,7 +24944,7 @@
             <a:fld id="{B61BEF0D-F0BB-DE4B-95CE-6DB70DBA9567}" type="datetimeFigureOut">
               <a:rPr lang="en-US" dirty="0"/>
               <a:pPr/>
-              <a:t>8/12/2021</a:t>
+              <a:t>4/26/2023</a:t>
             </a:fld>
             <a:endParaRPr lang="en-US" dirty="0"/>
           </a:p>
@@ -25009,7 +25089,7 @@
             <a:fld id="{B61BEF0D-F0BB-DE4B-95CE-6DB70DBA9567}" type="datetimeFigureOut">
               <a:rPr lang="en-US" dirty="0"/>
               <a:pPr/>
-              <a:t>8/12/2021</a:t>
+              <a:t>4/26/2023</a:t>
             </a:fld>
             <a:endParaRPr lang="en-US" dirty="0"/>
           </a:p>
@@ -25131,7 +25211,7 @@
             <a:fld id="{B61BEF0D-F0BB-DE4B-95CE-6DB70DBA9567}" type="datetimeFigureOut">
               <a:rPr lang="en-US" dirty="0"/>
               <a:pPr/>
-              <a:t>8/12/2021</a:t>
+              <a:t>4/26/2023</a:t>
             </a:fld>
             <a:endParaRPr lang="en-US" dirty="0"/>
           </a:p>
@@ -25413,7 +25493,7 @@
             <a:fld id="{B61BEF0D-F0BB-DE4B-95CE-6DB70DBA9567}" type="datetimeFigureOut">
               <a:rPr lang="en-US" dirty="0"/>
               <a:pPr/>
-              <a:t>8/12/2021</a:t>
+              <a:t>4/26/2023</a:t>
             </a:fld>
             <a:endParaRPr lang="en-US" dirty="0"/>
           </a:p>
@@ -25734,7 +25814,7 @@
             <a:fld id="{B61BEF0D-F0BB-DE4B-95CE-6DB70DBA9567}" type="datetimeFigureOut">
               <a:rPr lang="en-US" dirty="0"/>
               <a:pPr/>
-              <a:t>8/12/2021</a:t>
+              <a:t>4/26/2023</a:t>
             </a:fld>
             <a:endParaRPr lang="en-US" dirty="0"/>
           </a:p>
@@ -25945,7 +26025,7 @@
             <a:fld id="{B61BEF0D-F0BB-DE4B-95CE-6DB70DBA9567}" type="datetimeFigureOut">
               <a:rPr lang="en-US" dirty="0"/>
               <a:pPr/>
-              <a:t>8/12/2021</a:t>
+              <a:t>4/26/2023</a:t>
             </a:fld>
             <a:endParaRPr lang="en-US" dirty="0"/>
           </a:p>
@@ -29353,6 +29433,145 @@
 </p:sld>
 </file>
 
+<file path=ppt/slides/slide11.xml><?xml version="1.0" encoding="utf-8"?>
+<p:sld xmlns:a="http://schemas.openxmlformats.org/drawingml/2006/main" xmlns:r="http://schemas.openxmlformats.org/officeDocument/2006/relationships" xmlns:p="http://schemas.openxmlformats.org/presentationml/2006/main">
+  <p:cSld>
+    <p:spTree>
+      <p:nvGrpSpPr>
+        <p:cNvPr id="1" name=""/>
+        <p:cNvGrpSpPr/>
+        <p:nvPr/>
+      </p:nvGrpSpPr>
+      <p:grpSpPr>
+        <a:xfrm>
+          <a:off x="0" y="0"/>
+          <a:ext cx="0" cy="0"/>
+          <a:chOff x="0" y="0"/>
+          <a:chExt cx="0" cy="0"/>
+        </a:xfrm>
+      </p:grpSpPr>
+      <p:sp>
+        <p:nvSpPr>
+          <p:cNvPr id="2" name="Title 1">
+            <a:extLst>
+              <a:ext uri="{FF2B5EF4-FFF2-40B4-BE49-F238E27FC236}">
+                <a16:creationId xmlns:a16="http://schemas.microsoft.com/office/drawing/2014/main" id="{F57B12CA-0498-4C77-8ACD-C9A99D7B07F1}"/>
+              </a:ext>
+            </a:extLst>
+          </p:cNvPr>
+          <p:cNvSpPr>
+            <a:spLocks noGrp="1"/>
+          </p:cNvSpPr>
+          <p:nvPr>
+            <p:ph type="title"/>
+          </p:nvPr>
+        </p:nvSpPr>
+        <p:spPr/>
+        <p:txBody>
+          <a:bodyPr/>
+          <a:lstStyle/>
+          <a:p>
+            <a:r>
+              <a:rPr lang="en-US" dirty="0"/>
+              <a:t>Is, </a:t>
+            </a:r>
+            <a:r>
+              <a:rPr lang="en-US" dirty="0" err="1"/>
+              <a:t>isinstance</a:t>
+            </a:r>
+            <a:endParaRPr lang="en-MY" dirty="0"/>
+          </a:p>
+        </p:txBody>
+      </p:sp>
+      <p:sp>
+        <p:nvSpPr>
+          <p:cNvPr id="3" name="Content Placeholder 2">
+            <a:extLst>
+              <a:ext uri="{FF2B5EF4-FFF2-40B4-BE49-F238E27FC236}">
+                <a16:creationId xmlns:a16="http://schemas.microsoft.com/office/drawing/2014/main" id="{211873FD-2CAE-4CE7-B6CD-855AEB5C6DCA}"/>
+              </a:ext>
+            </a:extLst>
+          </p:cNvPr>
+          <p:cNvSpPr>
+            <a:spLocks noGrp="1"/>
+          </p:cNvSpPr>
+          <p:nvPr>
+            <p:ph idx="1"/>
+          </p:nvPr>
+        </p:nvSpPr>
+        <p:spPr>
+          <a:xfrm>
+            <a:off x="685801" y="2142067"/>
+            <a:ext cx="6176393" cy="3649133"/>
+          </a:xfrm>
+        </p:spPr>
+        <p:txBody>
+          <a:bodyPr/>
+          <a:lstStyle/>
+          <a:p>
+            <a:r>
+              <a:rPr lang="en-US" dirty="0" err="1"/>
+              <a:t>isinstance</a:t>
+            </a:r>
+            <a:r>
+              <a:rPr lang="en-US" dirty="0"/>
+              <a:t>() will return True if object is a sub-class instance from some base-class.</a:t>
+            </a:r>
+          </a:p>
+          <a:p>
+            <a:endParaRPr lang="en-US" dirty="0"/>
+          </a:p>
+          <a:p>
+            <a:r>
+              <a:rPr lang="en-US" dirty="0"/>
+              <a:t>The is operator can be used to check exact class type, used together with type().</a:t>
+            </a:r>
+            <a:endParaRPr lang="en-MY" dirty="0"/>
+          </a:p>
+        </p:txBody>
+      </p:sp>
+      <p:pic>
+        <p:nvPicPr>
+          <p:cNvPr id="9" name="Picture 8">
+            <a:extLst>
+              <a:ext uri="{FF2B5EF4-FFF2-40B4-BE49-F238E27FC236}">
+                <a16:creationId xmlns:a16="http://schemas.microsoft.com/office/drawing/2014/main" id="{41729DD8-8026-743D-646B-F3DBDDA64B26}"/>
+              </a:ext>
+            </a:extLst>
+          </p:cNvPr>
+          <p:cNvPicPr>
+            <a:picLocks noChangeAspect="1"/>
+          </p:cNvPicPr>
+          <p:nvPr/>
+        </p:nvPicPr>
+        <p:blipFill rotWithShape="1">
+          <a:blip r:embed="rId2"/>
+          <a:srcRect l="523" t="626"/>
+          <a:stretch/>
+        </p:blipFill>
+        <p:spPr>
+          <a:xfrm>
+            <a:off x="7221478" y="2207287"/>
+            <a:ext cx="3542443" cy="2997994"/>
+          </a:xfrm>
+          <a:prstGeom prst="rect">
+            <a:avLst/>
+          </a:prstGeom>
+        </p:spPr>
+      </p:pic>
+    </p:spTree>
+    <p:extLst>
+      <p:ext uri="{BB962C8B-B14F-4D97-AF65-F5344CB8AC3E}">
+        <p14:creationId xmlns:p14="http://schemas.microsoft.com/office/powerpoint/2010/main" val="3429051292"/>
+      </p:ext>
+    </p:extLst>
+  </p:cSld>
+  <p:clrMapOvr>
+    <a:masterClrMapping/>
+  </p:clrMapOvr>
+</p:sld>
+</file>
+
 <file path=ppt/slides/slide2.xml><?xml version="1.0" encoding="utf-8"?>
 <p:sld xmlns:a="http://schemas.openxmlformats.org/drawingml/2006/main" xmlns:r="http://schemas.openxmlformats.org/officeDocument/2006/relationships" xmlns:p="http://schemas.openxmlformats.org/presentationml/2006/main">
   <p:cSld>
